--- a/P(Path)/RP(ReligionPath)/信仰之路（中文）.pptx
+++ b/P(Path)/RP(ReligionPath)/信仰之路（中文）.pptx
@@ -270,7 +270,7 @@
           <a:p>
             <a:fld id="{14CC6459-2B59-9942-B3AE-9CA1F3E1FDAE}" type="datetimeFigureOut">
               <a:rPr lang="en-DE" smtClean="0"/>
-              <a:t>15.11.23</a:t>
+              <a:t>21.11.23</a:t>
             </a:fld>
             <a:endParaRPr lang="en-DE"/>
           </a:p>
@@ -470,7 +470,7 @@
           <a:p>
             <a:fld id="{14CC6459-2B59-9942-B3AE-9CA1F3E1FDAE}" type="datetimeFigureOut">
               <a:rPr lang="en-DE" smtClean="0"/>
-              <a:t>15.11.23</a:t>
+              <a:t>21.11.23</a:t>
             </a:fld>
             <a:endParaRPr lang="en-DE"/>
           </a:p>
@@ -680,7 +680,7 @@
           <a:p>
             <a:fld id="{14CC6459-2B59-9942-B3AE-9CA1F3E1FDAE}" type="datetimeFigureOut">
               <a:rPr lang="en-DE" smtClean="0"/>
-              <a:t>15.11.23</a:t>
+              <a:t>21.11.23</a:t>
             </a:fld>
             <a:endParaRPr lang="en-DE"/>
           </a:p>
@@ -880,7 +880,7 @@
           <a:p>
             <a:fld id="{14CC6459-2B59-9942-B3AE-9CA1F3E1FDAE}" type="datetimeFigureOut">
               <a:rPr lang="en-DE" smtClean="0"/>
-              <a:t>15.11.23</a:t>
+              <a:t>21.11.23</a:t>
             </a:fld>
             <a:endParaRPr lang="en-DE"/>
           </a:p>
@@ -1156,7 +1156,7 @@
           <a:p>
             <a:fld id="{14CC6459-2B59-9942-B3AE-9CA1F3E1FDAE}" type="datetimeFigureOut">
               <a:rPr lang="en-DE" smtClean="0"/>
-              <a:t>15.11.23</a:t>
+              <a:t>21.11.23</a:t>
             </a:fld>
             <a:endParaRPr lang="en-DE"/>
           </a:p>
@@ -1424,7 +1424,7 @@
           <a:p>
             <a:fld id="{14CC6459-2B59-9942-B3AE-9CA1F3E1FDAE}" type="datetimeFigureOut">
               <a:rPr lang="en-DE" smtClean="0"/>
-              <a:t>15.11.23</a:t>
+              <a:t>21.11.23</a:t>
             </a:fld>
             <a:endParaRPr lang="en-DE"/>
           </a:p>
@@ -1839,7 +1839,7 @@
           <a:p>
             <a:fld id="{14CC6459-2B59-9942-B3AE-9CA1F3E1FDAE}" type="datetimeFigureOut">
               <a:rPr lang="en-DE" smtClean="0"/>
-              <a:t>15.11.23</a:t>
+              <a:t>21.11.23</a:t>
             </a:fld>
             <a:endParaRPr lang="en-DE"/>
           </a:p>
@@ -1981,7 +1981,7 @@
           <a:p>
             <a:fld id="{14CC6459-2B59-9942-B3AE-9CA1F3E1FDAE}" type="datetimeFigureOut">
               <a:rPr lang="en-DE" smtClean="0"/>
-              <a:t>15.11.23</a:t>
+              <a:t>21.11.23</a:t>
             </a:fld>
             <a:endParaRPr lang="en-DE"/>
           </a:p>
@@ -2094,7 +2094,7 @@
           <a:p>
             <a:fld id="{14CC6459-2B59-9942-B3AE-9CA1F3E1FDAE}" type="datetimeFigureOut">
               <a:rPr lang="en-DE" smtClean="0"/>
-              <a:t>15.11.23</a:t>
+              <a:t>21.11.23</a:t>
             </a:fld>
             <a:endParaRPr lang="en-DE"/>
           </a:p>
@@ -2407,7 +2407,7 @@
           <a:p>
             <a:fld id="{14CC6459-2B59-9942-B3AE-9CA1F3E1FDAE}" type="datetimeFigureOut">
               <a:rPr lang="en-DE" smtClean="0"/>
-              <a:t>15.11.23</a:t>
+              <a:t>21.11.23</a:t>
             </a:fld>
             <a:endParaRPr lang="en-DE"/>
           </a:p>
@@ -2696,7 +2696,7 @@
           <a:p>
             <a:fld id="{14CC6459-2B59-9942-B3AE-9CA1F3E1FDAE}" type="datetimeFigureOut">
               <a:rPr lang="en-DE" smtClean="0"/>
-              <a:t>15.11.23</a:t>
+              <a:t>21.11.23</a:t>
             </a:fld>
             <a:endParaRPr lang="en-DE"/>
           </a:p>
@@ -2939,7 +2939,7 @@
           <a:p>
             <a:fld id="{14CC6459-2B59-9942-B3AE-9CA1F3E1FDAE}" type="datetimeFigureOut">
               <a:rPr lang="en-DE" smtClean="0"/>
-              <a:t>15.11.23</a:t>
+              <a:t>21.11.23</a:t>
             </a:fld>
             <a:endParaRPr lang="en-DE"/>
           </a:p>
@@ -3518,14 +3518,13 @@
               <a:t>教宗接见阿联酋锡克教徒：无私地服事穷人就能接近上主 </a:t>
             </a:r>
             <a:r>
-              <a:rPr lang="zh-CN" altLang="en-US" i="0" dirty="0">
+              <a:rPr lang="de-DE" altLang="zh-CN" dirty="0">
                 <a:solidFill>
                   <a:srgbClr val="373737"/>
                 </a:solidFill>
-                <a:effectLst/>
                 <a:latin typeface="Museo Sans Cyrl"/>
               </a:rPr>
-              <a:t>（</a:t>
+              <a:t>(</a:t>
             </a:r>
             <a:r>
               <a:rPr lang="en-US" altLang="zh-CN" i="0" dirty="0">
@@ -3538,14 +3537,13 @@
               <a:t>2023-11-11</a:t>
             </a:r>
             <a:r>
-              <a:rPr lang="zh-CN" altLang="en-US" i="0" dirty="0">
+              <a:rPr lang="de-DE" altLang="zh-CN" dirty="0">
                 <a:solidFill>
                   <a:srgbClr val="373737"/>
                 </a:solidFill>
-                <a:effectLst/>
                 <a:latin typeface="Museo Sans Cyrl"/>
               </a:rPr>
-              <a:t>）</a:t>
+              <a:t>)</a:t>
             </a:r>
             <a:endParaRPr lang="en-US" altLang="zh-CN" i="0" dirty="0">
               <a:solidFill>
@@ -3572,16 +3570,6 @@
               <a:t>聖座與中國人民共和國簽署協議：一段漫長旅程的果實 </a:t>
             </a:r>
             <a:r>
-              <a:rPr lang="zh-CN" altLang="en-US" i="0" dirty="0">
-                <a:solidFill>
-                  <a:srgbClr val="373737"/>
-                </a:solidFill>
-                <a:effectLst/>
-                <a:latin typeface="Museo Sans Cyrl"/>
-              </a:rPr>
-              <a:t>（</a:t>
-            </a:r>
-            <a:r>
               <a:rPr lang="en-US" altLang="zh-CN" i="0" dirty="0">
                 <a:solidFill>
                   <a:srgbClr val="373737"/>
@@ -3589,17 +3577,16 @@
                 <a:effectLst/>
                 <a:latin typeface="Museo Sans Cyrl"/>
               </a:rPr>
-              <a:t>2018-09-12</a:t>
-            </a:r>
-            <a:r>
-              <a:rPr lang="zh-CN" altLang="en-US" i="0" dirty="0">
+              <a:t>(2018-09-12</a:t>
+            </a:r>
+            <a:r>
+              <a:rPr lang="de-DE" altLang="zh-CN" dirty="0">
                 <a:solidFill>
                   <a:srgbClr val="373737"/>
                 </a:solidFill>
-                <a:effectLst/>
                 <a:latin typeface="Museo Sans Cyrl"/>
               </a:rPr>
-              <a:t>）</a:t>
+              <a:t>)</a:t>
             </a:r>
             <a:endParaRPr lang="en-US" altLang="zh-CN" i="0" dirty="0">
               <a:solidFill>
@@ -3835,13 +3822,11 @@
               <a:t>第三届亚欧会议不同信仰间对话会议在南京举行 </a:t>
             </a:r>
             <a:r>
-              <a:rPr lang="de-DE" altLang="zh-CN" b="1" i="0" dirty="0">
+              <a:rPr lang="de-DE" altLang="zh-CN" dirty="0">
                 <a:solidFill>
-                  <a:srgbClr val="000000"/>
+                  <a:srgbClr val="373737"/>
                 </a:solidFill>
-                <a:effectLst/>
-                <a:latin typeface="宋体" panose="02010600030101010101" pitchFamily="2" charset="-122"/>
-                <a:ea typeface="宋体" panose="02010600030101010101" pitchFamily="2" charset="-122"/>
+                <a:latin typeface="Museo Sans Cyrl"/>
               </a:rPr>
               <a:t>(</a:t>
             </a:r>
@@ -4697,7 +4682,7 @@
         <p:spPr/>
         <p:txBody>
           <a:bodyPr>
-            <a:normAutofit fontScale="92500" lnSpcReduction="10000"/>
+            <a:normAutofit fontScale="92500" lnSpcReduction="20000"/>
           </a:bodyPr>
           <a:lstStyle/>
           <a:p>
@@ -4838,6 +4823,17 @@
             <a:r>
               <a:rPr lang="zh-CN" altLang="en-US" dirty="0"/>
               <a:t>影响</a:t>
+            </a:r>
+            <a:endParaRPr lang="en-US" altLang="zh-CN" dirty="0"/>
+          </a:p>
+          <a:p>
+            <a:pPr marL="457200" indent="-457200">
+              <a:buFont typeface="+mj-lt"/>
+              <a:buAutoNum type="arabicPeriod"/>
+            </a:pPr>
+            <a:r>
+              <a:rPr lang="zh-CN" altLang="en-US" dirty="0"/>
+              <a:t>让每个人幸福生活的共同道德准则</a:t>
             </a:r>
             <a:endParaRPr lang="en-US" altLang="zh-CN" dirty="0"/>
           </a:p>

--- a/P(Path)/RP(ReligionPath)/信仰之路（中文）.pptx
+++ b/P(Path)/RP(ReligionPath)/信仰之路（中文）.pptx
@@ -3498,7 +3498,7 @@
         <p:spPr/>
         <p:txBody>
           <a:bodyPr>
-            <a:normAutofit fontScale="92500"/>
+            <a:normAutofit fontScale="92500" lnSpcReduction="10000"/>
           </a:bodyPr>
           <a:lstStyle/>
           <a:p>
@@ -3848,6 +3848,91 @@
               </a:rPr>
               <a:t>)</a:t>
             </a:r>
+          </a:p>
+          <a:p>
+            <a:pPr marL="514350" indent="-514350">
+              <a:buFont typeface="+mj-lt"/>
+              <a:buAutoNum type="arabicPeriod"/>
+            </a:pPr>
+            <a:r>
+              <a:rPr lang="en-US" altLang="zh-CN" b="1" dirty="0">
+                <a:solidFill>
+                  <a:srgbClr val="000000"/>
+                </a:solidFill>
+                <a:latin typeface="宋体" panose="02010600030101010101" pitchFamily="2" charset="-122"/>
+                <a:ea typeface="宋体" panose="02010600030101010101" pitchFamily="2" charset="-122"/>
+                <a:hlinkClick r:id="rId8"/>
+              </a:rPr>
+              <a:t>2006</a:t>
+            </a:r>
+            <a:r>
+              <a:rPr lang="zh-CN" altLang="en-US" b="1" dirty="0">
+                <a:solidFill>
+                  <a:srgbClr val="000000"/>
+                </a:solidFill>
+                <a:latin typeface="宋体" panose="02010600030101010101" pitchFamily="2" charset="-122"/>
+                <a:ea typeface="宋体" panose="02010600030101010101" pitchFamily="2" charset="-122"/>
+                <a:hlinkClick r:id="rId8"/>
+              </a:rPr>
+              <a:t>年</a:t>
+            </a:r>
+            <a:r>
+              <a:rPr lang="en-US" altLang="zh-CN" b="1" dirty="0">
+                <a:solidFill>
+                  <a:srgbClr val="000000"/>
+                </a:solidFill>
+                <a:latin typeface="宋体" panose="02010600030101010101" pitchFamily="2" charset="-122"/>
+                <a:ea typeface="宋体" panose="02010600030101010101" pitchFamily="2" charset="-122"/>
+                <a:hlinkClick r:id="rId8"/>
+              </a:rPr>
+              <a:t>7</a:t>
+            </a:r>
+            <a:r>
+              <a:rPr lang="zh-CN" altLang="en-US" b="1" dirty="0">
+                <a:solidFill>
+                  <a:srgbClr val="000000"/>
+                </a:solidFill>
+                <a:latin typeface="宋体" panose="02010600030101010101" pitchFamily="2" charset="-122"/>
+                <a:ea typeface="宋体" panose="02010600030101010101" pitchFamily="2" charset="-122"/>
+                <a:hlinkClick r:id="rId8"/>
+              </a:rPr>
+              <a:t>月</a:t>
+            </a:r>
+            <a:r>
+              <a:rPr lang="en-US" altLang="zh-CN" b="1" dirty="0">
+                <a:solidFill>
+                  <a:srgbClr val="000000"/>
+                </a:solidFill>
+                <a:latin typeface="宋体" panose="02010600030101010101" pitchFamily="2" charset="-122"/>
+                <a:ea typeface="宋体" panose="02010600030101010101" pitchFamily="2" charset="-122"/>
+                <a:hlinkClick r:id="rId8"/>
+              </a:rPr>
+              <a:t>17</a:t>
+            </a:r>
+            <a:r>
+              <a:rPr lang="zh-CN" altLang="en-US" b="1" dirty="0">
+                <a:solidFill>
+                  <a:srgbClr val="000000"/>
+                </a:solidFill>
+                <a:latin typeface="宋体" panose="02010600030101010101" pitchFamily="2" charset="-122"/>
+                <a:ea typeface="宋体" panose="02010600030101010101" pitchFamily="2" charset="-122"/>
+                <a:hlinkClick r:id="rId8"/>
+              </a:rPr>
+              <a:t>日塞浦路斯和马来西亚常驻联合国代表给秘书长的信</a:t>
+            </a:r>
+            <a:endParaRPr lang="zh-CN" altLang="en-US" b="1" dirty="0">
+              <a:solidFill>
+                <a:srgbClr val="000000"/>
+              </a:solidFill>
+              <a:latin typeface="宋体" panose="02010600030101010101" pitchFamily="2" charset="-122"/>
+              <a:ea typeface="宋体" panose="02010600030101010101" pitchFamily="2" charset="-122"/>
+            </a:endParaRPr>
+          </a:p>
+          <a:p>
+            <a:pPr marL="514350" indent="-514350">
+              <a:buFont typeface="+mj-lt"/>
+              <a:buAutoNum type="arabicPeriod"/>
+            </a:pPr>
             <a:endParaRPr lang="en-DE" dirty="0">
               <a:solidFill>
                 <a:srgbClr val="373737"/>
@@ -4834,6 +4919,10 @@
             <a:r>
               <a:rPr lang="zh-CN" altLang="en-US" dirty="0"/>
               <a:t>让每个人幸福生活的共同道德准则</a:t>
+            </a:r>
+            <a:r>
+              <a:rPr lang="de-DE" altLang="zh-CN" dirty="0"/>
+              <a:t>[7]</a:t>
             </a:r>
             <a:endParaRPr lang="en-US" altLang="zh-CN" dirty="0"/>
           </a:p>
